--- a/PPT/CNN详解.pptx
+++ b/PPT/CNN详解.pptx
@@ -16678,7 +16678,7 @@
               <a:t>寒假第</a:t>
             </a:r>
             <a:r>
-              <a:rPr lang="en-US" altLang="zh-CN" sz="7200" b="1">
+              <a:rPr lang="zh-CN" altLang="en-US" sz="7200" b="1">
                 <a:solidFill>
                   <a:schemeClr val="tx1"/>
                 </a:solidFill>
@@ -16692,24 +16692,7 @@
                 <a:latin typeface="+mn-ea"/>
                 <a:cs typeface="+mn-ea"/>
               </a:rPr>
-              <a:t>X</a:t>
-            </a:r>
-            <a:r>
-              <a:rPr lang="zh-CN" altLang="en-US" sz="7200" b="1">
-                <a:solidFill>
-                  <a:schemeClr val="tx1"/>
-                </a:solidFill>
-                <a:effectLst>
-                  <a:outerShdw blurRad="38100" dist="19050" dir="2700000" algn="tl" rotWithShape="0">
-                    <a:schemeClr val="dk1">
-                      <a:alpha val="40000"/>
-                    </a:schemeClr>
-                  </a:outerShdw>
-                </a:effectLst>
-                <a:latin typeface="+mn-ea"/>
-                <a:cs typeface="+mn-ea"/>
-              </a:rPr>
-              <a:t>期培训</a:t>
+              <a:t>三期培训</a:t>
             </a:r>
             <a:endParaRPr lang="zh-CN" altLang="en-US" sz="7200" b="1">
               <a:solidFill>
@@ -16805,7 +16788,7 @@
         <p:spPr>
           <a:xfrm>
             <a:off x="6675755" y="5656580"/>
-            <a:ext cx="5059680" cy="1076325"/>
+            <a:ext cx="5466080" cy="1076325"/>
           </a:xfrm>
           <a:prstGeom prst="rect">
             <a:avLst/>
@@ -16921,7 +16904,7 @@
                 <a:latin typeface="+mn-ea"/>
                 <a:cs typeface="+mn-ea"/>
               </a:rPr>
-              <a:t>27</a:t>
+              <a:t>28</a:t>
             </a:r>
             <a:r>
               <a:rPr lang="zh-CN" altLang="en-US" sz="3200">
@@ -16955,7 +16938,7 @@
                 <a:latin typeface="+mn-ea"/>
                 <a:cs typeface="+mn-ea"/>
               </a:rPr>
-              <a:t>8</a:t>
+              <a:t>7</a:t>
             </a:r>
             <a:r>
               <a:rPr lang="zh-CN" altLang="en-US" sz="3200">
@@ -16972,7 +16955,24 @@
                 <a:latin typeface="+mn-ea"/>
                 <a:cs typeface="+mn-ea"/>
               </a:rPr>
-              <a:t>点</a:t>
+              <a:t>：</a:t>
+            </a:r>
+            <a:r>
+              <a:rPr lang="en-US" altLang="zh-CN" sz="3200">
+                <a:solidFill>
+                  <a:schemeClr val="tx1"/>
+                </a:solidFill>
+                <a:effectLst>
+                  <a:outerShdw blurRad="38100" dist="19050" dir="2700000" algn="tl" rotWithShape="0">
+                    <a:schemeClr val="dk1">
+                      <a:alpha val="40000"/>
+                    </a:schemeClr>
+                  </a:outerShdw>
+                </a:effectLst>
+                <a:latin typeface="+mn-ea"/>
+                <a:cs typeface="+mn-ea"/>
+              </a:rPr>
+              <a:t>30</a:t>
             </a:r>
             <a:endParaRPr lang="zh-CN" altLang="en-US" sz="3200">
               <a:solidFill>
@@ -17025,6 +17025,32 @@
           </a:p>
         </p:txBody>
       </p:sp>
+      <p:pic>
+        <p:nvPicPr>
+          <p:cNvPr id="100" name="图片 99"/>
+          <p:cNvPicPr/>
+          <p:nvPr/>
+        </p:nvPicPr>
+        <p:blipFill>
+          <a:blip r:embed="rId2"/>
+          <a:stretch>
+            <a:fillRect/>
+          </a:stretch>
+        </p:blipFill>
+        <p:spPr>
+          <a:xfrm>
+            <a:off x="8719185" y="434023"/>
+            <a:ext cx="3028950" cy="1514475"/>
+          </a:xfrm>
+          <a:prstGeom prst="rect">
+            <a:avLst/>
+          </a:prstGeom>
+          <a:noFill/>
+          <a:ln w="9525">
+            <a:noFill/>
+          </a:ln>
+        </p:spPr>
+      </p:pic>
     </p:spTree>
   </p:cSld>
   <p:clrMapOvr>
@@ -19754,7 +19780,6 @@
             <a:pPr algn="ctr"/>
             <a:r>
               <a:rPr lang="zh-CN" altLang="en-US" sz="4000" b="1">
-                <a:ln/>
                 <a:solidFill>
                   <a:schemeClr val="tx1"/>
                 </a:solidFill>
@@ -19770,7 +19795,6 @@
             </a:r>
             <a:r>
               <a:rPr lang="en-US" altLang="zh-CN" sz="4000" b="1">
-                <a:ln/>
                 <a:solidFill>
                   <a:schemeClr val="tx1"/>
                 </a:solidFill>
@@ -19786,7 +19810,6 @@
             </a:r>
             <a:r>
               <a:rPr lang="zh-CN" altLang="en-US" sz="4000" b="1">
-                <a:ln/>
                 <a:solidFill>
                   <a:schemeClr val="tx1"/>
                 </a:solidFill>
@@ -19802,7 +19825,6 @@
             </a:r>
             <a:r>
               <a:rPr lang="en-US" altLang="zh-CN" sz="4000" b="1">
-                <a:ln/>
                 <a:solidFill>
                   <a:schemeClr val="tx1"/>
                 </a:solidFill>
@@ -19818,7 +19840,6 @@
             </a:r>
             <a:r>
               <a:rPr lang="zh-CN" altLang="en-US" sz="4000" b="1">
-                <a:ln/>
                 <a:solidFill>
                   <a:schemeClr val="tx1"/>
                 </a:solidFill>
@@ -19833,7 +19854,6 @@
               <a:t>上传问题</a:t>
             </a:r>
             <a:endParaRPr lang="zh-CN" altLang="en-US" sz="4000" b="1">
-              <a:ln/>
               <a:solidFill>
                 <a:schemeClr val="tx1"/>
               </a:solidFill>

--- a/PPT/CNN详解.pptx
+++ b/PPT/CNN详解.pptx
@@ -15,24 +15,25 @@
     <p:sldId id="349" r:id="rId10"/>
     <p:sldId id="350" r:id="rId11"/>
     <p:sldId id="351" r:id="rId12"/>
-    <p:sldId id="352" r:id="rId13"/>
-    <p:sldId id="353" r:id="rId14"/>
-    <p:sldId id="354" r:id="rId15"/>
-    <p:sldId id="355" r:id="rId16"/>
-    <p:sldId id="356" r:id="rId17"/>
-    <p:sldId id="357" r:id="rId18"/>
-    <p:sldId id="358" r:id="rId19"/>
-    <p:sldId id="359" r:id="rId20"/>
-    <p:sldId id="360" r:id="rId21"/>
-    <p:sldId id="361" r:id="rId22"/>
-    <p:sldId id="362" r:id="rId23"/>
-    <p:sldId id="363" r:id="rId24"/>
-    <p:sldId id="364" r:id="rId25"/>
+    <p:sldId id="411" r:id="rId13"/>
+    <p:sldId id="352" r:id="rId14"/>
+    <p:sldId id="353" r:id="rId15"/>
+    <p:sldId id="354" r:id="rId16"/>
+    <p:sldId id="355" r:id="rId17"/>
+    <p:sldId id="356" r:id="rId18"/>
+    <p:sldId id="357" r:id="rId19"/>
+    <p:sldId id="358" r:id="rId20"/>
+    <p:sldId id="359" r:id="rId21"/>
+    <p:sldId id="360" r:id="rId22"/>
+    <p:sldId id="361" r:id="rId23"/>
+    <p:sldId id="362" r:id="rId24"/>
+    <p:sldId id="363" r:id="rId25"/>
+    <p:sldId id="364" r:id="rId26"/>
   </p:sldIdLst>
   <p:sldSz cx="12192000" cy="6858000"/>
   <p:notesSz cx="6858000" cy="9144000"/>
   <p:custDataLst>
-    <p:tags r:id="rId29"/>
+    <p:tags r:id="rId30"/>
   </p:custDataLst>
   <p:defaultTextStyle>
     <a:defPPr>
@@ -144,6 +145,7 @@
             <p14:sldId id="349"/>
             <p14:sldId id="350"/>
             <p14:sldId id="351"/>
+            <p14:sldId id="411"/>
             <p14:sldId id="352"/>
             <p14:sldId id="353"/>
             <p14:sldId id="354"/>
@@ -17413,6 +17415,505 @@
       </p:grpSpPr>
       <p:pic>
         <p:nvPicPr>
+          <p:cNvPr id="11" name="图片 10" descr="1"/>
+          <p:cNvPicPr>
+            <a:picLocks noChangeAspect="1"/>
+          </p:cNvPicPr>
+          <p:nvPr/>
+        </p:nvPicPr>
+        <p:blipFill>
+          <a:blip r:embed="rId1"/>
+          <a:stretch>
+            <a:fillRect/>
+          </a:stretch>
+        </p:blipFill>
+        <p:spPr>
+          <a:xfrm>
+            <a:off x="6466840" y="2563495"/>
+            <a:ext cx="2226310" cy="2363470"/>
+          </a:xfrm>
+          <a:prstGeom prst="rect">
+            <a:avLst/>
+          </a:prstGeom>
+        </p:spPr>
+      </p:pic>
+      <p:pic>
+        <p:nvPicPr>
+          <p:cNvPr id="13" name="图片 12" descr="3"/>
+          <p:cNvPicPr>
+            <a:picLocks noChangeAspect="1"/>
+          </p:cNvPicPr>
+          <p:nvPr/>
+        </p:nvPicPr>
+        <p:blipFill>
+          <a:blip r:embed="rId2"/>
+          <a:stretch>
+            <a:fillRect/>
+          </a:stretch>
+        </p:blipFill>
+        <p:spPr>
+          <a:xfrm>
+            <a:off x="7964170" y="4701540"/>
+            <a:ext cx="1985645" cy="1945640"/>
+          </a:xfrm>
+          <a:prstGeom prst="rect">
+            <a:avLst/>
+          </a:prstGeom>
+        </p:spPr>
+      </p:pic>
+      <p:pic>
+        <p:nvPicPr>
+          <p:cNvPr id="4" name="图片 3" descr="Logo_s"/>
+          <p:cNvPicPr>
+            <a:picLocks noChangeAspect="1"/>
+          </p:cNvPicPr>
+          <p:nvPr>
+            <p:custDataLst>
+              <p:tags r:id="rId3"/>
+            </p:custDataLst>
+          </p:nvPr>
+        </p:nvPicPr>
+        <p:blipFill>
+          <a:blip r:embed="rId4"/>
+          <a:stretch>
+            <a:fillRect/>
+          </a:stretch>
+        </p:blipFill>
+        <p:spPr>
+          <a:xfrm>
+            <a:off x="8499475" y="-913130"/>
+            <a:ext cx="5718175" cy="3216275"/>
+          </a:xfrm>
+          <a:prstGeom prst="rect">
+            <a:avLst/>
+          </a:prstGeom>
+        </p:spPr>
+      </p:pic>
+      <p:sp>
+        <p:nvSpPr>
+          <p:cNvPr id="8" name="文本框 7"/>
+          <p:cNvSpPr txBox="1"/>
+          <p:nvPr/>
+        </p:nvSpPr>
+        <p:spPr>
+          <a:xfrm>
+            <a:off x="0" y="1410970"/>
+            <a:ext cx="11430000" cy="2861310"/>
+          </a:xfrm>
+          <a:prstGeom prst="rect">
+            <a:avLst/>
+          </a:prstGeom>
+          <a:noFill/>
+        </p:spPr>
+        <p:txBody>
+          <a:bodyPr wrap="square" rtlCol="0" anchor="t">
+            <a:spAutoFit/>
+          </a:bodyPr>
+          <a:p>
+            <a:r>
+              <a:rPr lang="zh-CN" altLang="en-US"/>
+              <a:t>步幅：卷积核经过输入特征图的采样间隔</a:t>
+            </a:r>
+            <a:endParaRPr lang="zh-CN" altLang="en-US"/>
+          </a:p>
+          <a:p>
+            <a:endParaRPr lang="zh-CN" altLang="en-US"/>
+          </a:p>
+          <a:p>
+            <a:r>
+              <a:rPr lang="zh-CN" altLang="en-US"/>
+              <a:t>填充：在输入特征图的每一边添加一定数目的行列，使得输出的特征图的长、宽 = 输入的特征图的长、宽</a:t>
+            </a:r>
+            <a:endParaRPr lang="zh-CN" altLang="en-US"/>
+          </a:p>
+          <a:p>
+            <a:endParaRPr lang="zh-CN" altLang="en-US"/>
+          </a:p>
+          <a:p>
+            <a:r>
+              <a:rPr lang="zh-CN" altLang="en-US"/>
+              <a:t>两个参数的核心：</a:t>
+            </a:r>
+            <a:endParaRPr lang="zh-CN" altLang="en-US"/>
+          </a:p>
+          <a:p>
+            <a:endParaRPr lang="zh-CN" altLang="en-US"/>
+          </a:p>
+          <a:p>
+            <a:r>
+              <a:rPr lang="zh-CN" altLang="en-US"/>
+              <a:t>设置步幅的目的：希望减小输入参数的数目，减少计算量。</a:t>
+            </a:r>
+            <a:endParaRPr lang="zh-CN" altLang="en-US"/>
+          </a:p>
+          <a:p>
+            <a:endParaRPr lang="zh-CN" altLang="en-US"/>
+          </a:p>
+          <a:p>
+            <a:r>
+              <a:rPr lang="zh-CN" altLang="en-US"/>
+              <a:t>设置填充的目的：希望每个输入方块都能作为卷积窗口的中心。</a:t>
+            </a:r>
+            <a:endParaRPr lang="zh-CN" altLang="en-US"/>
+          </a:p>
+          <a:p>
+            <a:endParaRPr lang="zh-CN" altLang="en-US"/>
+          </a:p>
+        </p:txBody>
+      </p:sp>
+      <p:sp>
+        <p:nvSpPr>
+          <p:cNvPr id="9" name="矩形 8"/>
+          <p:cNvSpPr/>
+          <p:nvPr/>
+        </p:nvSpPr>
+        <p:spPr>
+          <a:xfrm>
+            <a:off x="0" y="561340"/>
+            <a:ext cx="8790940" cy="645160"/>
+          </a:xfrm>
+          <a:prstGeom prst="rect">
+            <a:avLst/>
+          </a:prstGeom>
+          <a:noFill/>
+          <a:ln>
+            <a:noFill/>
+          </a:ln>
+        </p:spPr>
+        <p:txBody>
+          <a:bodyPr wrap="none" rtlCol="0" anchor="t">
+            <a:spAutoFit/>
+          </a:bodyPr>
+          <a:p>
+            <a:pPr algn="ctr"/>
+            <a:r>
+              <a:rPr lang="en-US" altLang="zh-CN" sz="3600" b="1">
+                <a:ln/>
+                <a:solidFill>
+                  <a:schemeClr val="tx1"/>
+                </a:solidFill>
+                <a:effectLst>
+                  <a:outerShdw blurRad="38100" dist="19050" dir="2700000" algn="tl" rotWithShape="0">
+                    <a:schemeClr val="dk1">
+                      <a:alpha val="40000"/>
+                    </a:schemeClr>
+                  </a:outerShdw>
+                </a:effectLst>
+              </a:rPr>
+              <a:t>Stride</a:t>
+            </a:r>
+            <a:r>
+              <a:rPr lang="zh-CN" altLang="en-US" sz="3600" b="1">
+                <a:ln/>
+                <a:solidFill>
+                  <a:schemeClr val="tx1"/>
+                </a:solidFill>
+                <a:effectLst>
+                  <a:outerShdw blurRad="38100" dist="19050" dir="2700000" algn="tl" rotWithShape="0">
+                    <a:schemeClr val="dk1">
+                      <a:alpha val="40000"/>
+                    </a:schemeClr>
+                  </a:outerShdw>
+                </a:effectLst>
+              </a:rPr>
+              <a:t>（步幅）和</a:t>
+            </a:r>
+            <a:r>
+              <a:rPr lang="en-US" altLang="zh-CN" sz="3600" b="1">
+                <a:ln/>
+                <a:solidFill>
+                  <a:schemeClr val="tx1"/>
+                </a:solidFill>
+                <a:effectLst>
+                  <a:outerShdw blurRad="38100" dist="19050" dir="2700000" algn="tl" rotWithShape="0">
+                    <a:schemeClr val="dk1">
+                      <a:alpha val="40000"/>
+                    </a:schemeClr>
+                  </a:outerShdw>
+                </a:effectLst>
+              </a:rPr>
+              <a:t>Padding</a:t>
+            </a:r>
+            <a:r>
+              <a:rPr lang="zh-CN" altLang="en-US" sz="3600" b="1">
+                <a:ln/>
+                <a:solidFill>
+                  <a:schemeClr val="tx1"/>
+                </a:solidFill>
+                <a:effectLst>
+                  <a:outerShdw blurRad="38100" dist="19050" dir="2700000" algn="tl" rotWithShape="0">
+                    <a:schemeClr val="dk1">
+                      <a:alpha val="40000"/>
+                    </a:schemeClr>
+                  </a:outerShdw>
+                </a:effectLst>
+              </a:rPr>
+              <a:t>（填充）的理解</a:t>
+            </a:r>
+            <a:endParaRPr lang="zh-CN" altLang="en-US" sz="3600" b="1">
+              <a:ln/>
+              <a:solidFill>
+                <a:schemeClr val="tx1"/>
+              </a:solidFill>
+              <a:effectLst>
+                <a:outerShdw blurRad="38100" dist="19050" dir="2700000" algn="tl" rotWithShape="0">
+                  <a:schemeClr val="dk1">
+                    <a:alpha val="40000"/>
+                  </a:schemeClr>
+                </a:outerShdw>
+              </a:effectLst>
+            </a:endParaRPr>
+          </a:p>
+        </p:txBody>
+      </p:sp>
+      <p:sp>
+        <p:nvSpPr>
+          <p:cNvPr id="10" name="文本框 9"/>
+          <p:cNvSpPr txBox="1"/>
+          <p:nvPr/>
+        </p:nvSpPr>
+        <p:spPr>
+          <a:xfrm>
+            <a:off x="0" y="4272280"/>
+            <a:ext cx="6096000" cy="1476375"/>
+          </a:xfrm>
+          <a:prstGeom prst="rect">
+            <a:avLst/>
+          </a:prstGeom>
+          <a:noFill/>
+        </p:spPr>
+        <p:txBody>
+          <a:bodyPr wrap="square" rtlCol="0" anchor="t">
+            <a:spAutoFit/>
+          </a:bodyPr>
+          <a:p>
+            <a:r>
+              <a:rPr lang="zh-CN" altLang="en-US"/>
+              <a:t>问题：一个尺寸 a*a的特征图，经过b*b的卷积层，步幅（stride）=</a:t>
+            </a:r>
+            <a:r>
+              <a:rPr lang="en-US" altLang="zh-CN"/>
+              <a:t> s</a:t>
+            </a:r>
+            <a:r>
+              <a:rPr lang="zh-CN" altLang="en-US"/>
+              <a:t>，填充（padding）=</a:t>
+            </a:r>
+            <a:r>
+              <a:rPr lang="en-US" altLang="zh-CN"/>
+              <a:t> p</a:t>
+            </a:r>
+            <a:r>
+              <a:rPr lang="zh-CN" altLang="en-US"/>
+              <a:t>，</a:t>
+            </a:r>
+            <a:endParaRPr lang="zh-CN" altLang="en-US"/>
+          </a:p>
+          <a:p>
+            <a:r>
+              <a:rPr lang="zh-CN" altLang="en-US"/>
+              <a:t>      请计算出输出的特征图尺寸？</a:t>
+            </a:r>
+            <a:endParaRPr lang="zh-CN" altLang="en-US"/>
+          </a:p>
+          <a:p>
+            <a:endParaRPr lang="zh-CN" altLang="en-US"/>
+          </a:p>
+          <a:p>
+            <a:endParaRPr lang="zh-CN" altLang="en-US"/>
+          </a:p>
+        </p:txBody>
+      </p:sp>
+      <p:pic>
+        <p:nvPicPr>
+          <p:cNvPr id="12" name="图片 11" descr="2"/>
+          <p:cNvPicPr>
+            <a:picLocks noChangeAspect="1"/>
+          </p:cNvPicPr>
+          <p:nvPr/>
+        </p:nvPicPr>
+        <p:blipFill>
+          <a:blip r:embed="rId5"/>
+          <a:stretch>
+            <a:fillRect/>
+          </a:stretch>
+        </p:blipFill>
+        <p:spPr>
+          <a:xfrm>
+            <a:off x="9324340" y="2596515"/>
+            <a:ext cx="2105660" cy="2393315"/>
+          </a:xfrm>
+          <a:prstGeom prst="rect">
+            <a:avLst/>
+          </a:prstGeom>
+        </p:spPr>
+      </p:pic>
+      <p:sp>
+        <p:nvSpPr>
+          <p:cNvPr id="14" name="文本框 13"/>
+          <p:cNvSpPr txBox="1"/>
+          <p:nvPr/>
+        </p:nvSpPr>
+        <p:spPr>
+          <a:xfrm>
+            <a:off x="0" y="5330190"/>
+            <a:ext cx="8499475" cy="645160"/>
+          </a:xfrm>
+          <a:prstGeom prst="rect">
+            <a:avLst/>
+          </a:prstGeom>
+          <a:noFill/>
+        </p:spPr>
+        <p:txBody>
+          <a:bodyPr wrap="square" rtlCol="0" anchor="t">
+            <a:spAutoFit/>
+          </a:bodyPr>
+          <a:p>
+            <a:r>
+              <a:rPr lang="zh-CN" altLang="en-US"/>
+              <a:t>答：若</a:t>
+            </a:r>
+            <a:r>
+              <a:rPr lang="en-US" altLang="zh-CN"/>
+              <a:t>p</a:t>
+            </a:r>
+            <a:r>
+              <a:rPr lang="zh-CN" altLang="en-US"/>
+              <a:t>等于0，也就是不填充，输出的特征图的尺寸=（a-b）/c+1</a:t>
+            </a:r>
+            <a:endParaRPr lang="zh-CN" altLang="en-US"/>
+          </a:p>
+          <a:p>
+            <a:r>
+              <a:rPr lang="zh-CN" altLang="en-US"/>
+              <a:t>   </a:t>
+            </a:r>
+            <a:r>
+              <a:rPr lang="en-US" altLang="zh-CN"/>
+              <a:t>    </a:t>
+            </a:r>
+            <a:r>
+              <a:rPr lang="zh-CN" altLang="en-US"/>
+              <a:t> 若</a:t>
+            </a:r>
+            <a:r>
+              <a:rPr lang="en-US" altLang="zh-CN"/>
+              <a:t>p</a:t>
+            </a:r>
+            <a:r>
+              <a:rPr lang="zh-CN" altLang="en-US"/>
+              <a:t>不等于0，也就是填充，输出的特征图的尺寸=（a+2d-b）/c+1</a:t>
+            </a:r>
+            <a:endParaRPr lang="zh-CN" altLang="en-US"/>
+          </a:p>
+        </p:txBody>
+      </p:sp>
+    </p:spTree>
+  </p:cSld>
+  <p:clrMapOvr>
+    <a:masterClrMapping/>
+  </p:clrMapOvr>
+  <p:timing>
+    <p:tnLst>
+      <p:par>
+        <p:cTn id="1" dur="indefinite" restart="never" nodeType="tmRoot">
+          <p:childTnLst>
+            <p:seq concurrent="1" nextAc="seek">
+              <p:cTn id="2" dur="indefinite" nodeType="mainSeq">
+                <p:childTnLst>
+                  <p:par>
+                    <p:cTn id="3" fill="hold">
+                      <p:stCondLst>
+                        <p:cond delay="indefinite"/>
+                      </p:stCondLst>
+                      <p:childTnLst>
+                        <p:par>
+                          <p:cTn id="4" fill="hold">
+                            <p:stCondLst>
+                              <p:cond delay="0"/>
+                            </p:stCondLst>
+                            <p:childTnLst>
+                              <p:par>
+                                <p:cTn id="5" presetID="1" presetClass="entr" presetSubtype="0" fill="hold" grpId="0" nodeType="clickEffect">
+                                  <p:stCondLst>
+                                    <p:cond delay="0"/>
+                                  </p:stCondLst>
+                                  <p:childTnLst>
+                                    <p:set>
+                                      <p:cBhvr>
+                                        <p:cTn id="6" dur="1" fill="hold">
+                                          <p:stCondLst>
+                                            <p:cond delay="0"/>
+                                          </p:stCondLst>
+                                        </p:cTn>
+                                        <p:tgtEl>
+                                          <p:spTgt spid="14"/>
+                                        </p:tgtEl>
+                                        <p:attrNameLst>
+                                          <p:attrName>style.visibility</p:attrName>
+                                        </p:attrNameLst>
+                                      </p:cBhvr>
+                                      <p:to>
+                                        <p:strVal val="visible"/>
+                                      </p:to>
+                                    </p:set>
+                                  </p:childTnLst>
+                                </p:cTn>
+                              </p:par>
+                            </p:childTnLst>
+                          </p:cTn>
+                        </p:par>
+                      </p:childTnLst>
+                    </p:cTn>
+                  </p:par>
+                </p:childTnLst>
+              </p:cTn>
+              <p:prevCondLst>
+                <p:cond evt="onPrev" delay="0">
+                  <p:tgtEl>
+                    <p:sldTgt/>
+                  </p:tgtEl>
+                </p:cond>
+              </p:prevCondLst>
+              <p:nextCondLst>
+                <p:cond evt="onNext" delay="0">
+                  <p:tgtEl>
+                    <p:sldTgt/>
+                  </p:tgtEl>
+                </p:cond>
+              </p:nextCondLst>
+            </p:seq>
+          </p:childTnLst>
+        </p:cTn>
+      </p:par>
+    </p:tnLst>
+    <p:bldLst>
+      <p:bldP spid="14" grpId="0"/>
+      <p:bldP spid="14" grpId="1"/>
+    </p:bldLst>
+  </p:timing>
+</p:sld>
+</file>
+
+<file path=ppt/slides/slide12.xml><?xml version="1.0" encoding="utf-8"?>
+<p:sld xmlns:a="http://schemas.openxmlformats.org/drawingml/2006/main" xmlns:r="http://schemas.openxmlformats.org/officeDocument/2006/relationships" xmlns:p="http://schemas.openxmlformats.org/presentationml/2006/main">
+  <p:cSld>
+    <p:spTree>
+      <p:nvGrpSpPr>
+        <p:cNvPr id="1" name=""/>
+        <p:cNvGrpSpPr/>
+        <p:nvPr/>
+      </p:nvGrpSpPr>
+      <p:grpSpPr>
+        <a:xfrm>
+          <a:off x="0" y="0"/>
+          <a:ext cx="0" cy="0"/>
+          <a:chOff x="0" y="0"/>
+          <a:chExt cx="0" cy="0"/>
+        </a:xfrm>
+      </p:grpSpPr>
+      <p:pic>
+        <p:nvPicPr>
           <p:cNvPr id="2" name="图片 1" descr="640 (3)"/>
           <p:cNvPicPr>
             <a:picLocks noChangeAspect="1"/>
@@ -17626,7 +18127,7 @@
 </p:sld>
 </file>
 
-<file path=ppt/slides/slide12.xml><?xml version="1.0" encoding="utf-8"?>
+<file path=ppt/slides/slide13.xml><?xml version="1.0" encoding="utf-8"?>
 <p:sld xmlns:a="http://schemas.openxmlformats.org/drawingml/2006/main" xmlns:r="http://schemas.openxmlformats.org/officeDocument/2006/relationships" xmlns:p="http://schemas.openxmlformats.org/presentationml/2006/main">
   <p:cSld>
     <p:spTree>
@@ -17908,7 +18409,7 @@
 </p:sld>
 </file>
 
-<file path=ppt/slides/slide13.xml><?xml version="1.0" encoding="utf-8"?>
+<file path=ppt/slides/slide14.xml><?xml version="1.0" encoding="utf-8"?>
 <p:sld xmlns:a="http://schemas.openxmlformats.org/drawingml/2006/main" xmlns:r="http://schemas.openxmlformats.org/officeDocument/2006/relationships" xmlns:p="http://schemas.openxmlformats.org/presentationml/2006/main">
   <p:cSld>
     <p:spTree>
@@ -18110,7 +18611,7 @@
 </p:sld>
 </file>
 
-<file path=ppt/slides/slide14.xml><?xml version="1.0" encoding="utf-8"?>
+<file path=ppt/slides/slide15.xml><?xml version="1.0" encoding="utf-8"?>
 <p:sld xmlns:a="http://schemas.openxmlformats.org/drawingml/2006/main" xmlns:r="http://schemas.openxmlformats.org/officeDocument/2006/relationships" xmlns:p="http://schemas.openxmlformats.org/presentationml/2006/main">
   <p:cSld>
     <p:spTree>
@@ -18436,7 +18937,7 @@
 </p:sld>
 </file>
 
-<file path=ppt/slides/slide15.xml><?xml version="1.0" encoding="utf-8"?>
+<file path=ppt/slides/slide16.xml><?xml version="1.0" encoding="utf-8"?>
 <p:sld xmlns:a="http://schemas.openxmlformats.org/drawingml/2006/main" xmlns:r="http://schemas.openxmlformats.org/officeDocument/2006/relationships" xmlns:p="http://schemas.openxmlformats.org/presentationml/2006/main">
   <p:cSld>
     <p:spTree>
@@ -18826,7 +19327,7 @@
 </p:sld>
 </file>
 
-<file path=ppt/slides/slide16.xml><?xml version="1.0" encoding="utf-8"?>
+<file path=ppt/slides/slide17.xml><?xml version="1.0" encoding="utf-8"?>
 <p:sld xmlns:a="http://schemas.openxmlformats.org/drawingml/2006/main" xmlns:r="http://schemas.openxmlformats.org/officeDocument/2006/relationships" xmlns:p="http://schemas.openxmlformats.org/presentationml/2006/main">
   <p:cSld>
     <p:spTree>
@@ -19070,7 +19571,7 @@
 </p:sld>
 </file>
 
-<file path=ppt/slides/slide17.xml><?xml version="1.0" encoding="utf-8"?>
+<file path=ppt/slides/slide18.xml><?xml version="1.0" encoding="utf-8"?>
 <p:sld xmlns:a="http://schemas.openxmlformats.org/drawingml/2006/main" xmlns:r="http://schemas.openxmlformats.org/officeDocument/2006/relationships" xmlns:p="http://schemas.openxmlformats.org/presentationml/2006/main">
   <p:cSld>
     <p:spTree>
@@ -19282,7 +19783,7 @@
 </p:sld>
 </file>
 
-<file path=ppt/slides/slide18.xml><?xml version="1.0" encoding="utf-8"?>
+<file path=ppt/slides/slide19.xml><?xml version="1.0" encoding="utf-8"?>
 <p:sld xmlns:a="http://schemas.openxmlformats.org/drawingml/2006/main" xmlns:r="http://schemas.openxmlformats.org/officeDocument/2006/relationships" xmlns:p="http://schemas.openxmlformats.org/presentationml/2006/main">
   <p:cSld>
     <p:spTree>
@@ -19519,136 +20020,6 @@
       <p:pic>
         <p:nvPicPr>
           <p:cNvPr id="3" name="图片 2" descr="Logo_s"/>
-          <p:cNvPicPr>
-            <a:picLocks noChangeAspect="1"/>
-          </p:cNvPicPr>
-          <p:nvPr>
-            <p:custDataLst>
-              <p:tags r:id="rId2"/>
-            </p:custDataLst>
-          </p:nvPr>
-        </p:nvPicPr>
-        <p:blipFill>
-          <a:blip r:embed="rId3"/>
-          <a:stretch>
-            <a:fillRect/>
-          </a:stretch>
-        </p:blipFill>
-        <p:spPr>
-          <a:xfrm>
-            <a:off x="8499475" y="-913130"/>
-            <a:ext cx="5718175" cy="3216275"/>
-          </a:xfrm>
-          <a:prstGeom prst="rect">
-            <a:avLst/>
-          </a:prstGeom>
-        </p:spPr>
-      </p:pic>
-    </p:spTree>
-  </p:cSld>
-  <p:clrMapOvr>
-    <a:masterClrMapping/>
-  </p:clrMapOvr>
-</p:sld>
-</file>
-
-<file path=ppt/slides/slide19.xml><?xml version="1.0" encoding="utf-8"?>
-<p:sld xmlns:a="http://schemas.openxmlformats.org/drawingml/2006/main" xmlns:r="http://schemas.openxmlformats.org/officeDocument/2006/relationships" xmlns:p="http://schemas.openxmlformats.org/presentationml/2006/main">
-  <p:cSld>
-    <p:spTree>
-      <p:nvGrpSpPr>
-        <p:cNvPr id="1" name=""/>
-        <p:cNvGrpSpPr/>
-        <p:nvPr/>
-      </p:nvGrpSpPr>
-      <p:grpSpPr>
-        <a:xfrm>
-          <a:off x="0" y="0"/>
-          <a:ext cx="0" cy="0"/>
-          <a:chOff x="0" y="0"/>
-          <a:chExt cx="0" cy="0"/>
-        </a:xfrm>
-      </p:grpSpPr>
-      <p:pic>
-        <p:nvPicPr>
-          <p:cNvPr id="16386" name="Picture 2" descr="图片"/>
-          <p:cNvPicPr>
-            <a:picLocks noChangeAspect="1" noChangeArrowheads="1"/>
-          </p:cNvPicPr>
-          <p:nvPr/>
-        </p:nvPicPr>
-        <p:blipFill>
-          <a:blip r:embed="rId1">
-            <a:extLst>
-              <a:ext uri="{28A0092B-C50C-407E-A947-70E740481C1C}">
-                <a14:useLocalDpi xmlns:a14="http://schemas.microsoft.com/office/drawing/2010/main" val="0"/>
-              </a:ext>
-            </a:extLst>
-          </a:blip>
-          <a:srcRect/>
-          <a:stretch>
-            <a:fillRect/>
-          </a:stretch>
-        </p:blipFill>
-        <p:spPr bwMode="auto">
-          <a:xfrm>
-            <a:off x="655167" y="0"/>
-            <a:ext cx="10881665" cy="4332119"/>
-          </a:xfrm>
-          <a:prstGeom prst="rect">
-            <a:avLst/>
-          </a:prstGeom>
-          <a:noFill/>
-          <a:extLst>
-            <a:ext uri="{909E8E84-426E-40DD-AFC4-6F175D3DCCD1}">
-              <a14:hiddenFill xmlns:a14="http://schemas.microsoft.com/office/drawing/2010/main">
-                <a:solidFill>
-                  <a:srgbClr val="FFFFFF"/>
-                </a:solidFill>
-              </a14:hiddenFill>
-            </a:ext>
-          </a:extLst>
-        </p:spPr>
-      </p:pic>
-      <p:sp>
-        <p:nvSpPr>
-          <p:cNvPr id="3" name="文本框 2"/>
-          <p:cNvSpPr txBox="1"/>
-          <p:nvPr/>
-        </p:nvSpPr>
-        <p:spPr>
-          <a:xfrm>
-            <a:off x="655167" y="4695365"/>
-            <a:ext cx="10881665" cy="922020"/>
-          </a:xfrm>
-          <a:prstGeom prst="rect">
-            <a:avLst/>
-          </a:prstGeom>
-          <a:noFill/>
-        </p:spPr>
-        <p:txBody>
-          <a:bodyPr wrap="square">
-            <a:spAutoFit/>
-          </a:bodyPr>
-          <a:lstStyle/>
-          <a:p>
-            <a:r>
-              <a:rPr lang="zh-CN" altLang="en-US" b="0" i="0" dirty="0">
-                <a:solidFill>
-                  <a:srgbClr val="292421"/>
-                </a:solidFill>
-                <a:effectLst/>
-                <a:latin typeface="system-ui"/>
-              </a:rPr>
-              <a:t>经过两次卷积和最大池化之后，得到最后的特征图，此时的特征都是经过计算后得到的，所以代表性比较强，最后经过全连接层，展开为一维的向量，再经过一次计算后，得到最终的识别概率，这就是卷积神经网络的整个过程。</a:t>
-            </a:r>
-            <a:endParaRPr lang="zh-CN" altLang="en-US" dirty="0"/>
-          </a:p>
-        </p:txBody>
-      </p:sp>
-      <p:pic>
-        <p:nvPicPr>
-          <p:cNvPr id="4" name="图片 3" descr="Logo_s"/>
           <p:cNvPicPr>
             <a:picLocks noChangeAspect="1"/>
           </p:cNvPicPr>
@@ -20158,6 +20529,136 @@
           <a:chExt cx="0" cy="0"/>
         </a:xfrm>
       </p:grpSpPr>
+      <p:pic>
+        <p:nvPicPr>
+          <p:cNvPr id="16386" name="Picture 2" descr="图片"/>
+          <p:cNvPicPr>
+            <a:picLocks noChangeAspect="1" noChangeArrowheads="1"/>
+          </p:cNvPicPr>
+          <p:nvPr/>
+        </p:nvPicPr>
+        <p:blipFill>
+          <a:blip r:embed="rId1">
+            <a:extLst>
+              <a:ext uri="{28A0092B-C50C-407E-A947-70E740481C1C}">
+                <a14:useLocalDpi xmlns:a14="http://schemas.microsoft.com/office/drawing/2010/main" val="0"/>
+              </a:ext>
+            </a:extLst>
+          </a:blip>
+          <a:srcRect/>
+          <a:stretch>
+            <a:fillRect/>
+          </a:stretch>
+        </p:blipFill>
+        <p:spPr bwMode="auto">
+          <a:xfrm>
+            <a:off x="655167" y="0"/>
+            <a:ext cx="10881665" cy="4332119"/>
+          </a:xfrm>
+          <a:prstGeom prst="rect">
+            <a:avLst/>
+          </a:prstGeom>
+          <a:noFill/>
+          <a:extLst>
+            <a:ext uri="{909E8E84-426E-40DD-AFC4-6F175D3DCCD1}">
+              <a14:hiddenFill xmlns:a14="http://schemas.microsoft.com/office/drawing/2010/main">
+                <a:solidFill>
+                  <a:srgbClr val="FFFFFF"/>
+                </a:solidFill>
+              </a14:hiddenFill>
+            </a:ext>
+          </a:extLst>
+        </p:spPr>
+      </p:pic>
+      <p:sp>
+        <p:nvSpPr>
+          <p:cNvPr id="3" name="文本框 2"/>
+          <p:cNvSpPr txBox="1"/>
+          <p:nvPr/>
+        </p:nvSpPr>
+        <p:spPr>
+          <a:xfrm>
+            <a:off x="655167" y="4695365"/>
+            <a:ext cx="10881665" cy="922020"/>
+          </a:xfrm>
+          <a:prstGeom prst="rect">
+            <a:avLst/>
+          </a:prstGeom>
+          <a:noFill/>
+        </p:spPr>
+        <p:txBody>
+          <a:bodyPr wrap="square">
+            <a:spAutoFit/>
+          </a:bodyPr>
+          <a:lstStyle/>
+          <a:p>
+            <a:r>
+              <a:rPr lang="zh-CN" altLang="en-US" b="0" i="0" dirty="0">
+                <a:solidFill>
+                  <a:srgbClr val="292421"/>
+                </a:solidFill>
+                <a:effectLst/>
+                <a:latin typeface="system-ui"/>
+              </a:rPr>
+              <a:t>经过两次卷积和最大池化之后，得到最后的特征图，此时的特征都是经过计算后得到的，所以代表性比较强，最后经过全连接层，展开为一维的向量，再经过一次计算后，得到最终的识别概率，这就是卷积神经网络的整个过程。</a:t>
+            </a:r>
+            <a:endParaRPr lang="zh-CN" altLang="en-US" dirty="0"/>
+          </a:p>
+        </p:txBody>
+      </p:sp>
+      <p:pic>
+        <p:nvPicPr>
+          <p:cNvPr id="4" name="图片 3" descr="Logo_s"/>
+          <p:cNvPicPr>
+            <a:picLocks noChangeAspect="1"/>
+          </p:cNvPicPr>
+          <p:nvPr>
+            <p:custDataLst>
+              <p:tags r:id="rId2"/>
+            </p:custDataLst>
+          </p:nvPr>
+        </p:nvPicPr>
+        <p:blipFill>
+          <a:blip r:embed="rId3"/>
+          <a:stretch>
+            <a:fillRect/>
+          </a:stretch>
+        </p:blipFill>
+        <p:spPr>
+          <a:xfrm>
+            <a:off x="8499475" y="-913130"/>
+            <a:ext cx="5718175" cy="3216275"/>
+          </a:xfrm>
+          <a:prstGeom prst="rect">
+            <a:avLst/>
+          </a:prstGeom>
+        </p:spPr>
+      </p:pic>
+    </p:spTree>
+  </p:cSld>
+  <p:clrMapOvr>
+    <a:masterClrMapping/>
+  </p:clrMapOvr>
+</p:sld>
+</file>
+
+<file path=ppt/slides/slide21.xml><?xml version="1.0" encoding="utf-8"?>
+<p:sld xmlns:a="http://schemas.openxmlformats.org/drawingml/2006/main" xmlns:r="http://schemas.openxmlformats.org/officeDocument/2006/relationships" xmlns:p="http://schemas.openxmlformats.org/presentationml/2006/main">
+  <p:cSld>
+    <p:spTree>
+      <p:nvGrpSpPr>
+        <p:cNvPr id="1" name=""/>
+        <p:cNvGrpSpPr/>
+        <p:nvPr/>
+      </p:nvGrpSpPr>
+      <p:grpSpPr>
+        <a:xfrm>
+          <a:off x="0" y="0"/>
+          <a:ext cx="0" cy="0"/>
+          <a:chOff x="0" y="0"/>
+          <a:chExt cx="0" cy="0"/>
+        </a:xfrm>
+      </p:grpSpPr>
       <p:sp>
         <p:nvSpPr>
           <p:cNvPr id="2" name="矩形 1"/>
@@ -20380,7 +20881,7 @@
 </p:sld>
 </file>
 
-<file path=ppt/slides/slide21.xml><?xml version="1.0" encoding="utf-8"?>
+<file path=ppt/slides/slide22.xml><?xml version="1.0" encoding="utf-8"?>
 <p:sld xmlns:a="http://schemas.openxmlformats.org/drawingml/2006/main" xmlns:r="http://schemas.openxmlformats.org/officeDocument/2006/relationships" xmlns:p="http://schemas.openxmlformats.org/presentationml/2006/main">
   <p:cSld>
     <p:spTree>
@@ -20474,7 +20975,7 @@
 </p:sld>
 </file>
 
-<file path=ppt/slides/slide22.xml><?xml version="1.0" encoding="utf-8"?>
+<file path=ppt/slides/slide23.xml><?xml version="1.0" encoding="utf-8"?>
 <p:sld xmlns:a="http://schemas.openxmlformats.org/drawingml/2006/main" xmlns:r="http://schemas.openxmlformats.org/officeDocument/2006/relationships" xmlns:p="http://schemas.openxmlformats.org/presentationml/2006/main">
   <p:cSld>
     <p:spTree>
@@ -20689,7 +21190,7 @@
 </p:sld>
 </file>
 
-<file path=ppt/slides/slide23.xml><?xml version="1.0" encoding="utf-8"?>
+<file path=ppt/slides/slide24.xml><?xml version="1.0" encoding="utf-8"?>
 <p:sld xmlns:a="http://schemas.openxmlformats.org/drawingml/2006/main" xmlns:r="http://schemas.openxmlformats.org/officeDocument/2006/relationships" xmlns:p="http://schemas.openxmlformats.org/presentationml/2006/main">
   <p:cSld>
     <p:spTree>
@@ -22744,6 +23245,12 @@
 </file>
 
 <file path=ppt/tags/tag22.xml><?xml version="1.0" encoding="utf-8"?>
+<p:tagLst xmlns:p="http://schemas.openxmlformats.org/presentationml/2006/main">
+  <p:tag name="KSO_WM_BEAUTIFY_FLAG" val=""/>
+</p:tagLst>
+</file>
+
+<file path=ppt/tags/tag23.xml><?xml version="1.0" encoding="utf-8"?>
 <p:tagLst xmlns:p="http://schemas.openxmlformats.org/presentationml/2006/main">
   <p:tag name="ISLIDE.GUIDESSETTING" val="{&quot;Id&quot;:&quot;55f52171-deb4-4d87-9864-47bd9ea656bf&quot;,&quot;Name&quot;:&quot;2&quot;,&quot;Kind&quot;:&quot;Custom&quot;,&quot;OldGuidesSetting&quot;:{&quot;HeaderHeight&quot;:0.0,&quot;FooterHeight&quot;:0.0,&quot;SideMargin&quot;:6.0,&quot;TopMargin&quot;:4.0,&quot;BottomMargin&quot;:8.0,&quot;IntervalMargin&quot;:0.0}}"/>
   <p:tag name="commondata" val="eyJoZGlkIjoiMWIzNWIwZWZjYmExYzRiMmVhNWZjNGExNzI3YzVlOGMifQ=="/>

--- a/PPT/CNN详解.pptx
+++ b/PPT/CNN详解.pptx
@@ -4,36 +4,39 @@
   <p:sldMasterIdLst>
     <p:sldMasterId id="2147483648" r:id="rId1"/>
   </p:sldMasterIdLst>
+  <p:notesMasterIdLst>
+    <p:notesMasterId r:id="rId4"/>
+  </p:notesMasterIdLst>
   <p:sldIdLst>
     <p:sldId id="369" r:id="rId3"/>
-    <p:sldId id="337" r:id="rId4"/>
-    <p:sldId id="335" r:id="rId5"/>
-    <p:sldId id="391" r:id="rId6"/>
-    <p:sldId id="348" r:id="rId7"/>
-    <p:sldId id="339" r:id="rId8"/>
-    <p:sldId id="340" r:id="rId9"/>
-    <p:sldId id="349" r:id="rId10"/>
-    <p:sldId id="350" r:id="rId11"/>
-    <p:sldId id="351" r:id="rId12"/>
-    <p:sldId id="411" r:id="rId13"/>
-    <p:sldId id="352" r:id="rId14"/>
-    <p:sldId id="353" r:id="rId15"/>
-    <p:sldId id="354" r:id="rId16"/>
-    <p:sldId id="355" r:id="rId17"/>
-    <p:sldId id="356" r:id="rId18"/>
-    <p:sldId id="357" r:id="rId19"/>
-    <p:sldId id="358" r:id="rId20"/>
-    <p:sldId id="359" r:id="rId21"/>
-    <p:sldId id="360" r:id="rId22"/>
-    <p:sldId id="361" r:id="rId23"/>
-    <p:sldId id="362" r:id="rId24"/>
-    <p:sldId id="363" r:id="rId25"/>
-    <p:sldId id="364" r:id="rId26"/>
+    <p:sldId id="337" r:id="rId5"/>
+    <p:sldId id="335" r:id="rId6"/>
+    <p:sldId id="391" r:id="rId7"/>
+    <p:sldId id="348" r:id="rId8"/>
+    <p:sldId id="339" r:id="rId9"/>
+    <p:sldId id="340" r:id="rId10"/>
+    <p:sldId id="349" r:id="rId11"/>
+    <p:sldId id="350" r:id="rId12"/>
+    <p:sldId id="351" r:id="rId13"/>
+    <p:sldId id="411" r:id="rId14"/>
+    <p:sldId id="352" r:id="rId15"/>
+    <p:sldId id="353" r:id="rId16"/>
+    <p:sldId id="354" r:id="rId17"/>
+    <p:sldId id="355" r:id="rId18"/>
+    <p:sldId id="356" r:id="rId19"/>
+    <p:sldId id="357" r:id="rId20"/>
+    <p:sldId id="358" r:id="rId21"/>
+    <p:sldId id="359" r:id="rId22"/>
+    <p:sldId id="360" r:id="rId23"/>
+    <p:sldId id="361" r:id="rId24"/>
+    <p:sldId id="362" r:id="rId25"/>
+    <p:sldId id="363" r:id="rId26"/>
+    <p:sldId id="364" r:id="rId27"/>
   </p:sldIdLst>
   <p:sldSz cx="12192000" cy="6858000"/>
   <p:notesSz cx="6858000" cy="9144000"/>
   <p:custDataLst>
-    <p:tags r:id="rId30"/>
+    <p:tags r:id="rId31"/>
   </p:custDataLst>
   <p:defaultTextStyle>
     <a:defPPr>
@@ -165,6 +168,401 @@
     </p:ext>
   </p:extLst>
 </p:presentation>
+</file>
+
+<file path=ppt/notesMasters/notesMaster1.xml><?xml version="1.0" encoding="utf-8"?>
+<p:notesMaster xmlns:a="http://schemas.openxmlformats.org/drawingml/2006/main" xmlns:r="http://schemas.openxmlformats.org/officeDocument/2006/relationships" xmlns:p="http://schemas.openxmlformats.org/presentationml/2006/main">
+  <p:cSld>
+    <p:bg>
+      <p:bgRef idx="1001">
+        <a:schemeClr val="bg1"/>
+      </p:bgRef>
+    </p:bg>
+    <p:spTree>
+      <p:nvGrpSpPr>
+        <p:cNvPr id="1" name=""/>
+        <p:cNvGrpSpPr/>
+        <p:nvPr/>
+      </p:nvGrpSpPr>
+      <p:grpSpPr>
+        <a:xfrm>
+          <a:off x="0" y="0"/>
+          <a:ext cx="0" cy="0"/>
+          <a:chOff x="0" y="0"/>
+          <a:chExt cx="0" cy="0"/>
+        </a:xfrm>
+      </p:grpSpPr>
+      <p:sp>
+        <p:nvSpPr>
+          <p:cNvPr id="2" name="页眉占位符 1"/>
+          <p:cNvSpPr>
+            <a:spLocks noGrp="1"/>
+          </p:cNvSpPr>
+          <p:nvPr>
+            <p:ph type="hdr" sz="quarter"/>
+          </p:nvPr>
+        </p:nvSpPr>
+        <p:spPr>
+          <a:xfrm>
+            <a:off x="0" y="0"/>
+            <a:ext cx="2971800" cy="458788"/>
+          </a:xfrm>
+          <a:prstGeom prst="rect">
+            <a:avLst/>
+          </a:prstGeom>
+        </p:spPr>
+        <p:txBody>
+          <a:bodyPr vert="horz" lIns="91440" tIns="45720" rIns="91440" bIns="45720" rtlCol="0"/>
+          <a:lstStyle>
+            <a:lvl1pPr algn="l">
+              <a:defRPr sz="1200"/>
+            </a:lvl1pPr>
+          </a:lstStyle>
+          <a:p>
+            <a:endParaRPr lang="zh-CN" altLang="en-US"/>
+          </a:p>
+        </p:txBody>
+      </p:sp>
+      <p:sp>
+        <p:nvSpPr>
+          <p:cNvPr id="3" name="日期占位符 2"/>
+          <p:cNvSpPr>
+            <a:spLocks noGrp="1"/>
+          </p:cNvSpPr>
+          <p:nvPr>
+            <p:ph type="dt" idx="1"/>
+          </p:nvPr>
+        </p:nvSpPr>
+        <p:spPr>
+          <a:xfrm>
+            <a:off x="3884613" y="0"/>
+            <a:ext cx="2971800" cy="458788"/>
+          </a:xfrm>
+          <a:prstGeom prst="rect">
+            <a:avLst/>
+          </a:prstGeom>
+        </p:spPr>
+        <p:txBody>
+          <a:bodyPr vert="horz" lIns="91440" tIns="45720" rIns="91440" bIns="45720" rtlCol="0"/>
+          <a:lstStyle>
+            <a:lvl1pPr algn="r">
+              <a:defRPr sz="1200"/>
+            </a:lvl1pPr>
+          </a:lstStyle>
+          <a:p>
+            <a:fld id="{D2A48B96-639E-45A3-A0BA-2464DFDB1FAA}" type="datetimeFigureOut">
+              <a:rPr lang="zh-CN" altLang="en-US" smtClean="0"/>
+            </a:fld>
+            <a:endParaRPr lang="zh-CN" altLang="en-US"/>
+          </a:p>
+        </p:txBody>
+      </p:sp>
+      <p:sp>
+        <p:nvSpPr>
+          <p:cNvPr id="4" name="幻灯片图像占位符 3"/>
+          <p:cNvSpPr>
+            <a:spLocks noGrp="1" noRot="1" noChangeAspect="1"/>
+          </p:cNvSpPr>
+          <p:nvPr>
+            <p:ph type="sldImg" idx="2"/>
+          </p:nvPr>
+        </p:nvSpPr>
+        <p:spPr>
+          <a:xfrm>
+            <a:off x="685800" y="1143000"/>
+            <a:ext cx="5486400" cy="3086100"/>
+          </a:xfrm>
+          <a:prstGeom prst="rect">
+            <a:avLst/>
+          </a:prstGeom>
+          <a:noFill/>
+          <a:ln w="12700">
+            <a:solidFill>
+              <a:prstClr val="black"/>
+            </a:solidFill>
+          </a:ln>
+        </p:spPr>
+        <p:txBody>
+          <a:bodyPr vert="horz" lIns="91440" tIns="45720" rIns="91440" bIns="45720" rtlCol="0" anchor="ctr"/>
+          <a:lstStyle/>
+          <a:p>
+            <a:endParaRPr lang="zh-CN" altLang="en-US"/>
+          </a:p>
+        </p:txBody>
+      </p:sp>
+      <p:sp>
+        <p:nvSpPr>
+          <p:cNvPr id="5" name="备注占位符 4"/>
+          <p:cNvSpPr>
+            <a:spLocks noGrp="1"/>
+          </p:cNvSpPr>
+          <p:nvPr>
+            <p:ph type="body" sz="quarter" idx="3"/>
+          </p:nvPr>
+        </p:nvSpPr>
+        <p:spPr>
+          <a:xfrm>
+            <a:off x="685800" y="4400550"/>
+            <a:ext cx="5486400" cy="3600450"/>
+          </a:xfrm>
+          <a:prstGeom prst="rect">
+            <a:avLst/>
+          </a:prstGeom>
+        </p:spPr>
+        <p:txBody>
+          <a:bodyPr vert="horz" lIns="91440" tIns="45720" rIns="91440" bIns="45720" rtlCol="0"/>
+          <a:lstStyle/>
+          <a:p>
+            <a:pPr lvl="0"/>
+            <a:r>
+              <a:rPr lang="zh-CN" altLang="en-US" smtClean="0"/>
+              <a:t>单击此处编辑母版文本样式</a:t>
+            </a:r>
+            <a:endParaRPr lang="zh-CN" altLang="en-US" smtClean="0"/>
+          </a:p>
+          <a:p>
+            <a:pPr lvl="1"/>
+            <a:r>
+              <a:rPr lang="zh-CN" altLang="en-US" smtClean="0"/>
+              <a:t>第二级</a:t>
+            </a:r>
+            <a:endParaRPr lang="zh-CN" altLang="en-US" smtClean="0"/>
+          </a:p>
+          <a:p>
+            <a:pPr lvl="2"/>
+            <a:r>
+              <a:rPr lang="zh-CN" altLang="en-US" smtClean="0"/>
+              <a:t>第三级</a:t>
+            </a:r>
+            <a:endParaRPr lang="zh-CN" altLang="en-US" smtClean="0"/>
+          </a:p>
+          <a:p>
+            <a:pPr lvl="3"/>
+            <a:r>
+              <a:rPr lang="zh-CN" altLang="en-US" smtClean="0"/>
+              <a:t>第四级</a:t>
+            </a:r>
+            <a:endParaRPr lang="zh-CN" altLang="en-US" smtClean="0"/>
+          </a:p>
+          <a:p>
+            <a:pPr lvl="4"/>
+            <a:r>
+              <a:rPr lang="zh-CN" altLang="en-US" smtClean="0"/>
+              <a:t>第五级</a:t>
+            </a:r>
+            <a:endParaRPr lang="zh-CN" altLang="en-US"/>
+          </a:p>
+        </p:txBody>
+      </p:sp>
+      <p:sp>
+        <p:nvSpPr>
+          <p:cNvPr id="6" name="页脚占位符 5"/>
+          <p:cNvSpPr>
+            <a:spLocks noGrp="1"/>
+          </p:cNvSpPr>
+          <p:nvPr>
+            <p:ph type="ftr" sz="quarter" idx="4"/>
+          </p:nvPr>
+        </p:nvSpPr>
+        <p:spPr>
+          <a:xfrm>
+            <a:off x="0" y="8685213"/>
+            <a:ext cx="2971800" cy="458787"/>
+          </a:xfrm>
+          <a:prstGeom prst="rect">
+            <a:avLst/>
+          </a:prstGeom>
+        </p:spPr>
+        <p:txBody>
+          <a:bodyPr vert="horz" lIns="91440" tIns="45720" rIns="91440" bIns="45720" rtlCol="0" anchor="b"/>
+          <a:lstStyle>
+            <a:lvl1pPr algn="l">
+              <a:defRPr sz="1200"/>
+            </a:lvl1pPr>
+          </a:lstStyle>
+          <a:p>
+            <a:endParaRPr lang="zh-CN" altLang="en-US"/>
+          </a:p>
+        </p:txBody>
+      </p:sp>
+      <p:sp>
+        <p:nvSpPr>
+          <p:cNvPr id="7" name="灯片编号占位符 6"/>
+          <p:cNvSpPr>
+            <a:spLocks noGrp="1"/>
+          </p:cNvSpPr>
+          <p:nvPr>
+            <p:ph type="sldNum" sz="quarter" idx="5"/>
+          </p:nvPr>
+        </p:nvSpPr>
+        <p:spPr>
+          <a:xfrm>
+            <a:off x="3884613" y="8685213"/>
+            <a:ext cx="2971800" cy="458787"/>
+          </a:xfrm>
+          <a:prstGeom prst="rect">
+            <a:avLst/>
+          </a:prstGeom>
+        </p:spPr>
+        <p:txBody>
+          <a:bodyPr vert="horz" lIns="91440" tIns="45720" rIns="91440" bIns="45720" rtlCol="0" anchor="b"/>
+          <a:lstStyle>
+            <a:lvl1pPr algn="r">
+              <a:defRPr sz="1200"/>
+            </a:lvl1pPr>
+          </a:lstStyle>
+          <a:p>
+            <a:fld id="{A6837353-30EB-4A48-80EB-173D804AEFBD}" type="slidenum">
+              <a:rPr lang="zh-CN" altLang="en-US" smtClean="0"/>
+            </a:fld>
+            <a:endParaRPr lang="zh-CN" altLang="en-US"/>
+          </a:p>
+        </p:txBody>
+      </p:sp>
+    </p:spTree>
+  </p:cSld>
+  <p:clrMap bg1="lt1" tx1="dk1" bg2="lt2" tx2="dk2" accent1="accent1" accent2="accent2" accent3="accent3" accent4="accent4" accent5="accent5" accent6="accent6" hlink="hlink" folHlink="folHlink"/>
+  <p:notesStyle>
+    <a:lvl1pPr marL="0" algn="l" defTabSz="914400" rtl="0" eaLnBrk="1" latinLnBrk="0" hangingPunct="1">
+      <a:defRPr sz="1200" kern="1200">
+        <a:solidFill>
+          <a:schemeClr val="tx1"/>
+        </a:solidFill>
+        <a:latin typeface="+mn-lt"/>
+        <a:ea typeface="+mn-ea"/>
+        <a:cs typeface="+mn-cs"/>
+      </a:defRPr>
+    </a:lvl1pPr>
+    <a:lvl2pPr marL="457200" algn="l" defTabSz="914400" rtl="0" eaLnBrk="1" latinLnBrk="0" hangingPunct="1">
+      <a:defRPr sz="1200" kern="1200">
+        <a:solidFill>
+          <a:schemeClr val="tx1"/>
+        </a:solidFill>
+        <a:latin typeface="+mn-lt"/>
+        <a:ea typeface="+mn-ea"/>
+        <a:cs typeface="+mn-cs"/>
+      </a:defRPr>
+    </a:lvl2pPr>
+    <a:lvl3pPr marL="914400" algn="l" defTabSz="914400" rtl="0" eaLnBrk="1" latinLnBrk="0" hangingPunct="1">
+      <a:defRPr sz="1200" kern="1200">
+        <a:solidFill>
+          <a:schemeClr val="tx1"/>
+        </a:solidFill>
+        <a:latin typeface="+mn-lt"/>
+        <a:ea typeface="+mn-ea"/>
+        <a:cs typeface="+mn-cs"/>
+      </a:defRPr>
+    </a:lvl3pPr>
+    <a:lvl4pPr marL="1371600" algn="l" defTabSz="914400" rtl="0" eaLnBrk="1" latinLnBrk="0" hangingPunct="1">
+      <a:defRPr sz="1200" kern="1200">
+        <a:solidFill>
+          <a:schemeClr val="tx1"/>
+        </a:solidFill>
+        <a:latin typeface="+mn-lt"/>
+        <a:ea typeface="+mn-ea"/>
+        <a:cs typeface="+mn-cs"/>
+      </a:defRPr>
+    </a:lvl4pPr>
+    <a:lvl5pPr marL="1828800" algn="l" defTabSz="914400" rtl="0" eaLnBrk="1" latinLnBrk="0" hangingPunct="1">
+      <a:defRPr sz="1200" kern="1200">
+        <a:solidFill>
+          <a:schemeClr val="tx1"/>
+        </a:solidFill>
+        <a:latin typeface="+mn-lt"/>
+        <a:ea typeface="+mn-ea"/>
+        <a:cs typeface="+mn-cs"/>
+      </a:defRPr>
+    </a:lvl5pPr>
+    <a:lvl6pPr marL="2286000" algn="l" defTabSz="914400" rtl="0" eaLnBrk="1" latinLnBrk="0" hangingPunct="1">
+      <a:defRPr sz="1200" kern="1200">
+        <a:solidFill>
+          <a:schemeClr val="tx1"/>
+        </a:solidFill>
+        <a:latin typeface="+mn-lt"/>
+        <a:ea typeface="+mn-ea"/>
+        <a:cs typeface="+mn-cs"/>
+      </a:defRPr>
+    </a:lvl6pPr>
+    <a:lvl7pPr marL="2743200" algn="l" defTabSz="914400" rtl="0" eaLnBrk="1" latinLnBrk="0" hangingPunct="1">
+      <a:defRPr sz="1200" kern="1200">
+        <a:solidFill>
+          <a:schemeClr val="tx1"/>
+        </a:solidFill>
+        <a:latin typeface="+mn-lt"/>
+        <a:ea typeface="+mn-ea"/>
+        <a:cs typeface="+mn-cs"/>
+      </a:defRPr>
+    </a:lvl7pPr>
+    <a:lvl8pPr marL="3200400" algn="l" defTabSz="914400" rtl="0" eaLnBrk="1" latinLnBrk="0" hangingPunct="1">
+      <a:defRPr sz="1200" kern="1200">
+        <a:solidFill>
+          <a:schemeClr val="tx1"/>
+        </a:solidFill>
+        <a:latin typeface="+mn-lt"/>
+        <a:ea typeface="+mn-ea"/>
+        <a:cs typeface="+mn-cs"/>
+      </a:defRPr>
+    </a:lvl8pPr>
+    <a:lvl9pPr marL="3657600" algn="l" defTabSz="914400" rtl="0" eaLnBrk="1" latinLnBrk="0" hangingPunct="1">
+      <a:defRPr sz="1200" kern="1200">
+        <a:solidFill>
+          <a:schemeClr val="tx1"/>
+        </a:solidFill>
+        <a:latin typeface="+mn-lt"/>
+        <a:ea typeface="+mn-ea"/>
+        <a:cs typeface="+mn-cs"/>
+      </a:defRPr>
+    </a:lvl9pPr>
+  </p:notesStyle>
+</p:notesMaster>
+</file>
+
+<file path=ppt/notesSlides/notesSlide1.xml><?xml version="1.0" encoding="utf-8"?>
+<p:notes xmlns:a="http://schemas.openxmlformats.org/drawingml/2006/main" xmlns:r="http://schemas.openxmlformats.org/officeDocument/2006/relationships" xmlns:p="http://schemas.openxmlformats.org/presentationml/2006/main">
+  <p:cSld>
+    <p:spTree>
+      <p:nvGrpSpPr>
+        <p:cNvPr id="1" name=""/>
+        <p:cNvGrpSpPr/>
+        <p:nvPr/>
+      </p:nvGrpSpPr>
+      <p:grpSpPr/>
+      <p:sp>
+        <p:nvSpPr>
+          <p:cNvPr id="2" name="幻灯片图像占位符 1"/>
+          <p:cNvSpPr>
+            <a:spLocks noGrp="1"/>
+          </p:cNvSpPr>
+          <p:nvPr>
+            <p:ph type="sldImg" idx="2"/>
+          </p:nvPr>
+        </p:nvSpPr>
+        <p:spPr/>
+      </p:sp>
+      <p:sp>
+        <p:nvSpPr>
+          <p:cNvPr id="3" name="文本占位符 2"/>
+          <p:cNvSpPr>
+            <a:spLocks noGrp="1"/>
+          </p:cNvSpPr>
+          <p:nvPr>
+            <p:ph type="body" idx="3"/>
+          </p:nvPr>
+        </p:nvSpPr>
+        <p:spPr/>
+        <p:txBody>
+          <a:bodyPr/>
+          <a:p>
+            <a:endParaRPr lang="zh-CN" altLang="en-US"/>
+          </a:p>
+        </p:txBody>
+      </p:sp>
+    </p:spTree>
+  </p:cSld>
+  <p:clrMapOvr>
+    <a:masterClrMapping/>
+  </p:clrMapOvr>
+</p:notes>
 </file>
 
 <file path=ppt/slideLayouts/slideLayout1.xml><?xml version="1.0" encoding="utf-8"?>
@@ -17588,7 +17986,6 @@
             <a:pPr algn="ctr"/>
             <a:r>
               <a:rPr lang="en-US" altLang="zh-CN" sz="3600" b="1">
-                <a:ln/>
                 <a:solidFill>
                   <a:schemeClr val="tx1"/>
                 </a:solidFill>
@@ -17604,7 +18001,6 @@
             </a:r>
             <a:r>
               <a:rPr lang="zh-CN" altLang="en-US" sz="3600" b="1">
-                <a:ln/>
                 <a:solidFill>
                   <a:schemeClr val="tx1"/>
                 </a:solidFill>
@@ -17620,7 +18016,6 @@
             </a:r>
             <a:r>
               <a:rPr lang="en-US" altLang="zh-CN" sz="3600" b="1">
-                <a:ln/>
                 <a:solidFill>
                   <a:schemeClr val="tx1"/>
                 </a:solidFill>
@@ -17636,7 +18031,6 @@
             </a:r>
             <a:r>
               <a:rPr lang="zh-CN" altLang="en-US" sz="3600" b="1">
-                <a:ln/>
                 <a:solidFill>
                   <a:schemeClr val="tx1"/>
                 </a:solidFill>
@@ -17651,7 +18045,6 @@
               <a:t>（填充）的理解</a:t>
             </a:r>
             <a:endParaRPr lang="zh-CN" altLang="en-US" sz="3600" b="1">
-              <a:ln/>
               <a:solidFill>
                 <a:schemeClr val="tx1"/>
               </a:solidFill>
@@ -17802,7 +18195,15 @@
             </a:r>
             <a:r>
               <a:rPr lang="zh-CN" altLang="en-US"/>
-              <a:t>不等于0，也就是填充，输出的特征图的尺寸=（a+2d-b）/c+1</a:t>
+              <a:t>不等于0，也就是填充，输出的特征图的尺寸=（a+2</a:t>
+            </a:r>
+            <a:r>
+              <a:rPr lang="en-US" altLang="zh-CN"/>
+              <a:t>p</a:t>
+            </a:r>
+            <a:r>
+              <a:rPr lang="zh-CN" altLang="en-US"/>
+              <a:t>-b）/c+1</a:t>
             </a:r>
             <a:endParaRPr lang="zh-CN" altLang="en-US"/>
           </a:p>
@@ -20289,14 +20690,6 @@
           </a:p>
           <a:p>
             <a:pPr fontAlgn="auto">
-              <a:lnSpc>
-                <a:spcPts val="2300"/>
-              </a:lnSpc>
-            </a:pPr>
-            <a:endParaRPr lang="zh-CN" altLang="en-US"/>
-          </a:p>
-          <a:p>
-            <a:pPr marL="457200" lvl="1" indent="457200" fontAlgn="auto">
               <a:lnSpc>
                 <a:spcPts val="2300"/>
               </a:lnSpc>
@@ -23587,4 +23980,263 @@
     </a:ext>
   </a:extLst>
 </a:theme>
+</file>
+
+<file path=ppt/theme/theme2.xml><?xml version="1.0" encoding="utf-8"?>
+<a:theme xmlns:a="http://schemas.openxmlformats.org/drawingml/2006/main" name="Office 主题">
+  <a:themeElements>
+    <a:clrScheme name="Office">
+      <a:dk1>
+        <a:sysClr val="windowText" lastClr="000000"/>
+      </a:dk1>
+      <a:lt1>
+        <a:sysClr val="window" lastClr="FFFFFF"/>
+      </a:lt1>
+      <a:dk2>
+        <a:srgbClr val="44546A"/>
+      </a:dk2>
+      <a:lt2>
+        <a:srgbClr val="E7E6E6"/>
+      </a:lt2>
+      <a:accent1>
+        <a:srgbClr val="5B9BD5"/>
+      </a:accent1>
+      <a:accent2>
+        <a:srgbClr val="ED7D31"/>
+      </a:accent2>
+      <a:accent3>
+        <a:srgbClr val="A5A5A5"/>
+      </a:accent3>
+      <a:accent4>
+        <a:srgbClr val="FFC000"/>
+      </a:accent4>
+      <a:accent5>
+        <a:srgbClr val="4472C4"/>
+      </a:accent5>
+      <a:accent6>
+        <a:srgbClr val="70AD47"/>
+      </a:accent6>
+      <a:hlink>
+        <a:srgbClr val="0563C1"/>
+      </a:hlink>
+      <a:folHlink>
+        <a:srgbClr val="954F72"/>
+      </a:folHlink>
+    </a:clrScheme>
+    <a:fontScheme name="Office">
+      <a:majorFont>
+        <a:latin typeface="Calibri Light"/>
+        <a:ea typeface=""/>
+        <a:cs typeface=""/>
+        <a:font script="Jpan" typeface="ＭＳ Ｐゴシック"/>
+        <a:font script="Hang" typeface="맑은 고딕"/>
+        <a:font script="Hans" typeface="宋体"/>
+        <a:font script="Hant" typeface="新細明體"/>
+        <a:font script="Arab" typeface="Times New Roman"/>
+        <a:font script="Hebr" typeface="Times New Roman"/>
+        <a:font script="Thai" typeface="Angsana New"/>
+        <a:font script="Ethi" typeface="Nyala"/>
+        <a:font script="Beng" typeface="Vrinda"/>
+        <a:font script="Gujr" typeface="Shruti"/>
+        <a:font script="Khmr" typeface="MoolBoran"/>
+        <a:font script="Knda" typeface="Tunga"/>
+        <a:font script="Guru" typeface="Raavi"/>
+        <a:font script="Cans" typeface="Euphemia"/>
+        <a:font script="Cher" typeface="Plantagenet Cherokee"/>
+        <a:font script="Yiii" typeface="Microsoft Yi Baiti"/>
+        <a:font script="Tibt" typeface="Microsoft Himalaya"/>
+        <a:font script="Thaa" typeface="MV Boli"/>
+        <a:font script="Deva" typeface="Mangal"/>
+        <a:font script="Telu" typeface="Gautami"/>
+        <a:font script="Taml" typeface="Latha"/>
+        <a:font script="Syrc" typeface="Estrangelo Edessa"/>
+        <a:font script="Orya" typeface="Kalinga"/>
+        <a:font script="Mlym" typeface="Kartika"/>
+        <a:font script="Laoo" typeface="DokChampa"/>
+        <a:font script="Sinh" typeface="Iskoola Pota"/>
+        <a:font script="Mong" typeface="Mongolian Baiti"/>
+        <a:font script="Viet" typeface="Times New Roman"/>
+        <a:font script="Uigh" typeface="Microsoft Uighur"/>
+        <a:font script="Geor" typeface="Sylfaen"/>
+      </a:majorFont>
+      <a:minorFont>
+        <a:latin typeface="Calibri"/>
+        <a:ea typeface=""/>
+        <a:cs typeface=""/>
+        <a:font script="Jpan" typeface="ＭＳ Ｐゴシック"/>
+        <a:font script="Hang" typeface="맑은 고딕"/>
+        <a:font script="Hans" typeface="宋体"/>
+        <a:font script="Hant" typeface="新細明體"/>
+        <a:font script="Arab" typeface="Arial"/>
+        <a:font script="Hebr" typeface="Arial"/>
+        <a:font script="Thai" typeface="Cordia New"/>
+        <a:font script="Ethi" typeface="Nyala"/>
+        <a:font script="Beng" typeface="Vrinda"/>
+        <a:font script="Gujr" typeface="Shruti"/>
+        <a:font script="Khmr" typeface="DaunPenh"/>
+        <a:font script="Knda" typeface="Tunga"/>
+        <a:font script="Guru" typeface="Raavi"/>
+        <a:font script="Cans" typeface="Euphemia"/>
+        <a:font script="Cher" typeface="Plantagenet Cherokee"/>
+        <a:font script="Yiii" typeface="Microsoft Yi Baiti"/>
+        <a:font script="Tibt" typeface="Microsoft Himalaya"/>
+        <a:font script="Thaa" typeface="MV Boli"/>
+        <a:font script="Deva" typeface="Mangal"/>
+        <a:font script="Telu" typeface="Gautami"/>
+        <a:font script="Taml" typeface="Latha"/>
+        <a:font script="Syrc" typeface="Estrangelo Edessa"/>
+        <a:font script="Orya" typeface="Kalinga"/>
+        <a:font script="Mlym" typeface="Kartika"/>
+        <a:font script="Laoo" typeface="DokChampa"/>
+        <a:font script="Sinh" typeface="Iskoola Pota"/>
+        <a:font script="Mong" typeface="Mongolian Baiti"/>
+        <a:font script="Viet" typeface="Arial"/>
+        <a:font script="Uigh" typeface="Microsoft Uighur"/>
+        <a:font script="Geor" typeface="Sylfaen"/>
+      </a:minorFont>
+    </a:fontScheme>
+    <a:fmtScheme name="Office">
+      <a:fillStyleLst>
+        <a:solidFill>
+          <a:schemeClr val="phClr"/>
+        </a:solidFill>
+        <a:gradFill rotWithShape="1">
+          <a:gsLst>
+            <a:gs pos="0">
+              <a:schemeClr val="phClr">
+                <a:lumMod val="110000"/>
+                <a:satMod val="105000"/>
+                <a:tint val="67000"/>
+              </a:schemeClr>
+            </a:gs>
+            <a:gs pos="50000">
+              <a:schemeClr val="phClr">
+                <a:lumMod val="105000"/>
+                <a:satMod val="103000"/>
+                <a:tint val="73000"/>
+              </a:schemeClr>
+            </a:gs>
+            <a:gs pos="100000">
+              <a:schemeClr val="phClr">
+                <a:lumMod val="105000"/>
+                <a:satMod val="109000"/>
+                <a:tint val="81000"/>
+              </a:schemeClr>
+            </a:gs>
+          </a:gsLst>
+          <a:lin ang="5400000" scaled="0"/>
+        </a:gradFill>
+        <a:gradFill rotWithShape="1">
+          <a:gsLst>
+            <a:gs pos="0">
+              <a:schemeClr val="phClr">
+                <a:satMod val="103000"/>
+                <a:lumMod val="102000"/>
+                <a:tint val="94000"/>
+              </a:schemeClr>
+            </a:gs>
+            <a:gs pos="50000">
+              <a:schemeClr val="phClr">
+                <a:satMod val="110000"/>
+                <a:lumMod val="100000"/>
+                <a:shade val="100000"/>
+              </a:schemeClr>
+            </a:gs>
+            <a:gs pos="100000">
+              <a:schemeClr val="phClr">
+                <a:lumMod val="99000"/>
+                <a:satMod val="120000"/>
+                <a:shade val="78000"/>
+              </a:schemeClr>
+            </a:gs>
+          </a:gsLst>
+          <a:lin ang="5400000" scaled="0"/>
+        </a:gradFill>
+      </a:fillStyleLst>
+      <a:lnStyleLst>
+        <a:ln w="6350" cap="flat" cmpd="sng" algn="ctr">
+          <a:solidFill>
+            <a:schemeClr val="phClr"/>
+          </a:solidFill>
+          <a:prstDash val="solid"/>
+          <a:miter lim="800000"/>
+        </a:ln>
+        <a:ln w="12700" cap="flat" cmpd="sng" algn="ctr">
+          <a:solidFill>
+            <a:schemeClr val="phClr"/>
+          </a:solidFill>
+          <a:prstDash val="solid"/>
+          <a:miter lim="800000"/>
+        </a:ln>
+        <a:ln w="19050" cap="flat" cmpd="sng" algn="ctr">
+          <a:solidFill>
+            <a:schemeClr val="phClr"/>
+          </a:solidFill>
+          <a:prstDash val="solid"/>
+          <a:miter lim="800000"/>
+        </a:ln>
+      </a:lnStyleLst>
+      <a:effectStyleLst>
+        <a:effectStyle>
+          <a:effectLst/>
+        </a:effectStyle>
+        <a:effectStyle>
+          <a:effectLst/>
+        </a:effectStyle>
+        <a:effectStyle>
+          <a:effectLst>
+            <a:outerShdw blurRad="57150" dist="19050" dir="5400000" algn="ctr" rotWithShape="0">
+              <a:srgbClr val="000000">
+                <a:alpha val="63000"/>
+              </a:srgbClr>
+            </a:outerShdw>
+          </a:effectLst>
+        </a:effectStyle>
+      </a:effectStyleLst>
+      <a:bgFillStyleLst>
+        <a:solidFill>
+          <a:schemeClr val="phClr"/>
+        </a:solidFill>
+        <a:solidFill>
+          <a:schemeClr val="phClr">
+            <a:tint val="95000"/>
+            <a:satMod val="170000"/>
+          </a:schemeClr>
+        </a:solidFill>
+        <a:gradFill rotWithShape="1">
+          <a:gsLst>
+            <a:gs pos="0">
+              <a:schemeClr val="phClr">
+                <a:tint val="93000"/>
+                <a:satMod val="150000"/>
+                <a:shade val="98000"/>
+                <a:lumMod val="102000"/>
+              </a:schemeClr>
+            </a:gs>
+            <a:gs pos="50000">
+              <a:schemeClr val="phClr">
+                <a:tint val="98000"/>
+                <a:satMod val="130000"/>
+                <a:shade val="90000"/>
+                <a:lumMod val="103000"/>
+              </a:schemeClr>
+            </a:gs>
+            <a:gs pos="100000">
+              <a:schemeClr val="phClr">
+                <a:shade val="63000"/>
+                <a:satMod val="120000"/>
+              </a:schemeClr>
+            </a:gs>
+          </a:gsLst>
+          <a:lin ang="5400000" scaled="0"/>
+        </a:gradFill>
+      </a:bgFillStyleLst>
+    </a:fmtScheme>
+  </a:themeElements>
+  <a:extLst>
+    <a:ext uri="{05A4C25C-085E-4340-85A3-A5531E510DB2}">
+      <thm15:themeFamily xmlns:thm15="http://schemas.microsoft.com/office/thememl/2012/main" name="Office Theme" id="{62F939B6-93AF-4DB8-9C6B-D6C7DFDC589F}" vid="{4A3C46E8-61CC-4603-A589-7422A47A8E4A}"/>
+    </a:ext>
+  </a:extLst>
+</a:theme>
 </file>